--- a/TechDaysTour2015/Développement web/TechdaysTour2015_Session Azure App Service pour vos apps et services web.pptx
+++ b/TechDaysTour2015/Développement web/TechdaysTour2015_Session Azure App Service pour vos apps et services web.pptx
@@ -1,34 +1,34 @@
 
 <file path=ppt/presentation.xml><?xml version="1.0" encoding="utf-8"?>
-<p:presentation xmlns:a="http://schemas.openxmlformats.org/drawingml/2006/main" xmlns:r="http://schemas.openxmlformats.org/officeDocument/2006/relationships" xmlns:p="http://schemas.openxmlformats.org/presentationml/2006/main" removePersonalInfoOnSave="1" saveSubsetFonts="1" autoCompressPictures="0">
+<p:presentation xmlns:a="http://schemas.openxmlformats.org/drawingml/2006/main" xmlns:r="http://schemas.openxmlformats.org/officeDocument/2006/relationships" xmlns:p="http://schemas.openxmlformats.org/presentationml/2006/main" saveSubsetFonts="1" autoCompressPictures="0">
   <p:sldMasterIdLst>
-    <p:sldMasterId id="2147484082" r:id="rId1"/>
+    <p:sldMasterId id="2147484082" r:id="rId4"/>
   </p:sldMasterIdLst>
   <p:notesMasterIdLst>
-    <p:notesMasterId r:id="rId20"/>
+    <p:notesMasterId r:id="rId23"/>
   </p:notesMasterIdLst>
   <p:handoutMasterIdLst>
-    <p:handoutMasterId r:id="rId21"/>
+    <p:handoutMasterId r:id="rId24"/>
   </p:handoutMasterIdLst>
   <p:sldIdLst>
-    <p:sldId id="283" r:id="rId2"/>
-    <p:sldId id="264" r:id="rId3"/>
-    <p:sldId id="285" r:id="rId4"/>
-    <p:sldId id="287" r:id="rId5"/>
-    <p:sldId id="288" r:id="rId6"/>
-    <p:sldId id="290" r:id="rId7"/>
-    <p:sldId id="293" r:id="rId8"/>
-    <p:sldId id="289" r:id="rId9"/>
-    <p:sldId id="300" r:id="rId10"/>
-    <p:sldId id="294" r:id="rId11"/>
-    <p:sldId id="301" r:id="rId12"/>
-    <p:sldId id="295" r:id="rId13"/>
-    <p:sldId id="297" r:id="rId14"/>
-    <p:sldId id="298" r:id="rId15"/>
-    <p:sldId id="299" r:id="rId16"/>
-    <p:sldId id="268" r:id="rId17"/>
-    <p:sldId id="281" r:id="rId18"/>
-    <p:sldId id="284" r:id="rId19"/>
+    <p:sldId id="283" r:id="rId5"/>
+    <p:sldId id="264" r:id="rId6"/>
+    <p:sldId id="285" r:id="rId7"/>
+    <p:sldId id="287" r:id="rId8"/>
+    <p:sldId id="288" r:id="rId9"/>
+    <p:sldId id="290" r:id="rId10"/>
+    <p:sldId id="293" r:id="rId11"/>
+    <p:sldId id="289" r:id="rId12"/>
+    <p:sldId id="300" r:id="rId13"/>
+    <p:sldId id="294" r:id="rId14"/>
+    <p:sldId id="301" r:id="rId15"/>
+    <p:sldId id="295" r:id="rId16"/>
+    <p:sldId id="297" r:id="rId17"/>
+    <p:sldId id="298" r:id="rId18"/>
+    <p:sldId id="299" r:id="rId19"/>
+    <p:sldId id="268" r:id="rId20"/>
+    <p:sldId id="281" r:id="rId21"/>
+    <p:sldId id="284" r:id="rId22"/>
   </p:sldIdLst>
   <p:sldSz cx="12436475" cy="6994525"/>
   <p:notesSz cx="6858000" cy="9144000"/>
@@ -177,7 +177,22 @@
 
 <file path=ppt/commentAuthors.xml><?xml version="1.0" encoding="utf-8"?>
 <p:cmAuthorLst xmlns:a="http://schemas.openxmlformats.org/drawingml/2006/main" xmlns:r="http://schemas.openxmlformats.org/officeDocument/2006/relationships" xmlns:p="http://schemas.openxmlformats.org/presentationml/2006/main">
-  <p:cmAuthor id="4" name="Author" initials="A" lastIdx="0" clrIdx="4"/>
+  <p:cmAuthor id="0" name="Saku Uchikawa" initials="SU" lastIdx="11" clrIdx="0"/>
+  <p:cmAuthor id="1" name="Mary Feil-Jacobs" initials="MFJ" lastIdx="43" clrIdx="1"/>
+  <p:cmAuthor id="2" name="Monica Lueder" initials="ML" lastIdx="22" clrIdx="2">
+    <p:extLst>
+      <p:ext uri="{19B8F6BF-5375-455C-9EA6-DF929625EA0E}">
+        <p15:presenceInfo xmlns:p15="http://schemas.microsoft.com/office/powerpoint/2012/main" userId="S-1-5-21-2127521184-1604012920-1887927527-2598260" providerId="AD"/>
+      </p:ext>
+    </p:extLst>
+  </p:cmAuthor>
+  <p:cmAuthor id="3" name="Mary Feil-Jacobs" initials="MF" lastIdx="22" clrIdx="3">
+    <p:extLst>
+      <p:ext uri="{19B8F6BF-5375-455C-9EA6-DF929625EA0E}">
+        <p15:presenceInfo xmlns:p15="http://schemas.microsoft.com/office/powerpoint/2012/main" userId="S-1-5-21-2127521184-1604012920-1887927527-65006" providerId="AD"/>
+      </p:ext>
+    </p:extLst>
+  </p:cmAuthor>
 </p:cmAuthorLst>
 </file>
 
@@ -267,7 +282,7 @@
               <a:rPr lang="en-US" smtClean="0">
                 <a:latin typeface="Segoe UI" pitchFamily="34" charset="0"/>
               </a:rPr>
-              <a:t>5/21/2015 1:43 AM</a:t>
+              <a:t>6/12/2015 3:49 PM</a:t>
             </a:fld>
             <a:endParaRPr lang="en-US" dirty="0">
               <a:latin typeface="Segoe UI" pitchFamily="34" charset="0"/>
@@ -561,7 +576,7 @@
           <a:p>
             <a:fld id="{AEE4CA52-5E5C-4954-9A88-88781D912DF9}" type="datetime8">
               <a:rPr lang="en-US" smtClean="0"/>
-              <a:t>5/21/2015 1:43 AM</a:t>
+              <a:t>6/12/2015 3:49 PM</a:t>
             </a:fld>
             <a:endParaRPr lang="en-US" dirty="0"/>
           </a:p>
@@ -945,7 +960,7 @@
           <a:p>
             <a:fld id="{AEE4CA52-5E5C-4954-9A88-88781D912DF9}" type="datetime8">
               <a:rPr lang="en-US" smtClean="0"/>
-              <a:t>5/21/2015 1:43 AM</a:t>
+              <a:t>6/12/2015 3:49 PM</a:t>
             </a:fld>
             <a:endParaRPr lang="en-US" dirty="0"/>
           </a:p>
@@ -1126,7 +1141,7 @@
           <a:p>
             <a:fld id="{AEE4CA52-5E5C-4954-9A88-88781D912DF9}" type="datetime8">
               <a:rPr lang="en-US" smtClean="0"/>
-              <a:t>5/21/2015 1:43 AM</a:t>
+              <a:t>6/12/2015 3:49 PM</a:t>
             </a:fld>
             <a:endParaRPr lang="en-US" dirty="0"/>
           </a:p>
@@ -1213,6 +1228,80 @@
           <a:bodyPr/>
           <a:lstStyle/>
           <a:p>
+            <a:r>
+              <a:rPr lang="fr-FR" dirty="0" smtClean="0"/>
+              <a:t>Voici les différentes ressources que Microsoft met à votre disposition pour démarrer sur Azure</a:t>
+            </a:r>
+          </a:p>
+          <a:p>
+            <a:pPr marL="171450" indent="-171450">
+              <a:buFontTx/>
+              <a:buChar char="-"/>
+            </a:pPr>
+            <a:r>
+              <a:rPr lang="fr-FR" baseline="0" dirty="0" smtClean="0"/>
+              <a:t>Pour tous</a:t>
+            </a:r>
+          </a:p>
+          <a:p>
+            <a:pPr marL="0" indent="0">
+              <a:buFontTx/>
+              <a:buNone/>
+            </a:pPr>
+            <a:r>
+              <a:rPr lang="fr-FR" baseline="0" dirty="0" smtClean="0"/>
+              <a:t>150 € de crédits cloud offerts pendant un mois, sans engagement puisqu’ensuite vous ne payez qu’en fonction de ce que vous consommez.</a:t>
+            </a:r>
+          </a:p>
+          <a:p>
+            <a:pPr marL="171450" indent="-171450">
+              <a:buFontTx/>
+              <a:buChar char="-"/>
+            </a:pPr>
+            <a:r>
+              <a:rPr lang="fr-FR" baseline="0" dirty="0" smtClean="0"/>
+              <a:t>Pour les start-ups</a:t>
+            </a:r>
+          </a:p>
+          <a:p>
+            <a:pPr marL="0" indent="0">
+              <a:buFontTx/>
+              <a:buNone/>
+            </a:pPr>
+            <a:r>
+              <a:rPr lang="fr-FR" baseline="0" dirty="0" smtClean="0"/>
+              <a:t>Bizspark : si vous êtes une startup d’au moins 5 ans et qui fait moins d’un million de dollars de CA par an, vous pouvez bénéficiez du programme Bizspark. Cela vous donne accès, entre autres, à 115 € par mois de crédit Azure pour 5 comptes pendant 3 ans, soit 4175 € de ressources.</a:t>
+            </a:r>
+          </a:p>
+          <a:p>
+            <a:pPr marL="0" indent="0">
+              <a:buFontTx/>
+              <a:buNone/>
+            </a:pPr>
+            <a:r>
+              <a:rPr lang="fr-FR" baseline="0" dirty="0" smtClean="0"/>
+              <a:t>Bizspark Plus : si vous êtes détectés comme une startup à fort potentiel, vous pouvez être upgradé et gagner 49 000 € de crédit Azure.</a:t>
+            </a:r>
+          </a:p>
+          <a:p>
+            <a:pPr marL="171450" indent="-171450">
+              <a:buFontTx/>
+              <a:buChar char="-"/>
+            </a:pPr>
+            <a:r>
+              <a:rPr lang="fr-FR" baseline="0" dirty="0" smtClean="0"/>
+              <a:t>Pour les abonnées MSDN</a:t>
+            </a:r>
+          </a:p>
+          <a:p>
+            <a:pPr marL="0" indent="0">
+              <a:buFontTx/>
+              <a:buNone/>
+            </a:pPr>
+            <a:r>
+              <a:rPr lang="fr-FR" baseline="0" dirty="0" smtClean="0"/>
+              <a:t>Votre abonnement MSDN vous permet de bénéficier jusqu’à 115 € de crédit Azure par mois. Il vous suffit d’activer ce bénéfice.</a:t>
+            </a:r>
             <a:endParaRPr lang="fr-FR" dirty="0"/>
           </a:p>
         </p:txBody>
@@ -1307,7 +1396,7 @@
           <a:p>
             <a:fld id="{AEE4CA52-5E5C-4954-9A88-88781D912DF9}" type="datetime8">
               <a:rPr lang="en-US" smtClean="0"/>
-              <a:t>5/21/2015 1:43 AM</a:t>
+              <a:t>6/12/2015 3:49 PM</a:t>
             </a:fld>
             <a:endParaRPr lang="en-US" dirty="0"/>
           </a:p>
@@ -1488,7 +1577,7 @@
           <a:p>
             <a:fld id="{AEE4CA52-5E5C-4954-9A88-88781D912DF9}" type="datetime8">
               <a:rPr lang="en-US" smtClean="0"/>
-              <a:t>5/21/2015 1:43 AM</a:t>
+              <a:t>6/12/2015 3:49 PM</a:t>
             </a:fld>
             <a:endParaRPr lang="en-US" dirty="0"/>
           </a:p>
@@ -1669,7 +1758,7 @@
           <a:p>
             <a:fld id="{AEE4CA52-5E5C-4954-9A88-88781D912DF9}" type="datetime8">
               <a:rPr lang="en-US" smtClean="0"/>
-              <a:t>5/21/2015 1:43 AM</a:t>
+              <a:t>6/12/2015 3:49 PM</a:t>
             </a:fld>
             <a:endParaRPr lang="en-US" dirty="0"/>
           </a:p>
@@ -1760,6 +1849,123 @@
               <a:buFontTx/>
               <a:buChar char="-"/>
             </a:pPr>
+            <a:r>
+              <a:rPr lang="fr-FR" baseline="0" dirty="0" smtClean="0"/>
+              <a:t>Création d’une Web App depuis le portail, en standard</a:t>
+            </a:r>
+          </a:p>
+          <a:p>
+            <a:pPr marL="171450" indent="-171450">
+              <a:buFontTx/>
+              <a:buChar char="-"/>
+            </a:pPr>
+            <a:r>
+              <a:rPr lang="fr-FR" baseline="0" dirty="0" smtClean="0"/>
+              <a:t>Publication d’un nouveau site ASP.NET depuis Visual Studio</a:t>
+            </a:r>
+          </a:p>
+          <a:p>
+            <a:pPr marL="171450" indent="-171450">
+              <a:buFontTx/>
+              <a:buChar char="-"/>
+            </a:pPr>
+            <a:r>
+              <a:rPr lang="fr-FR" dirty="0" err="1" smtClean="0"/>
+              <a:t>Scaling</a:t>
+            </a:r>
+            <a:r>
+              <a:rPr lang="fr-FR" dirty="0" smtClean="0"/>
+              <a:t> du site pour utilisation de plusieurs instances</a:t>
+            </a:r>
+          </a:p>
+          <a:p>
+            <a:pPr marL="171450" indent="-171450">
+              <a:buFontTx/>
+              <a:buChar char="-"/>
+            </a:pPr>
+            <a:r>
+              <a:rPr lang="fr-FR" dirty="0" smtClean="0"/>
+              <a:t>Modification des paramètres, comme la désactivation de PHP par exemple</a:t>
+            </a:r>
+          </a:p>
+          <a:p>
+            <a:pPr marL="171450" indent="-171450">
+              <a:buFontTx/>
+              <a:buChar char="-"/>
+            </a:pPr>
+            <a:r>
+              <a:rPr lang="fr-FR" dirty="0" smtClean="0"/>
+              <a:t>Création d’un slot de </a:t>
+            </a:r>
+            <a:r>
+              <a:rPr lang="fr-FR" dirty="0" err="1" smtClean="0"/>
+              <a:t>staging</a:t>
+            </a:r>
+            <a:endParaRPr lang="fr-FR" dirty="0" smtClean="0"/>
+          </a:p>
+          <a:p>
+            <a:pPr marL="171450" indent="-171450">
+              <a:buFontTx/>
+              <a:buChar char="-"/>
+            </a:pPr>
+            <a:r>
+              <a:rPr lang="fr-FR" dirty="0" smtClean="0"/>
+              <a:t>Modification du code dans Visual Studio</a:t>
+            </a:r>
+          </a:p>
+          <a:p>
+            <a:pPr marL="171450" indent="-171450">
+              <a:buFontTx/>
+              <a:buChar char="-"/>
+            </a:pPr>
+            <a:r>
+              <a:rPr lang="fr-FR" dirty="0" smtClean="0"/>
+              <a:t>Déploiement sur</a:t>
+            </a:r>
+            <a:r>
+              <a:rPr lang="fr-FR" baseline="0" dirty="0" smtClean="0"/>
+              <a:t> le </a:t>
+            </a:r>
+            <a:r>
+              <a:rPr lang="fr-FR" baseline="0" dirty="0" err="1" smtClean="0"/>
+              <a:t>staging</a:t>
+            </a:r>
+            <a:r>
+              <a:rPr lang="fr-FR" baseline="0" dirty="0" smtClean="0"/>
+              <a:t> depuis Visual Studio</a:t>
+            </a:r>
+          </a:p>
+          <a:p>
+            <a:pPr marL="171450" indent="-171450">
+              <a:buFontTx/>
+              <a:buChar char="-"/>
+            </a:pPr>
+            <a:r>
+              <a:rPr lang="fr-FR" dirty="0" smtClean="0"/>
+              <a:t>Test en production avec 90%</a:t>
+            </a:r>
+            <a:r>
+              <a:rPr lang="fr-FR" baseline="0" dirty="0" smtClean="0"/>
+              <a:t> sur le site de </a:t>
+            </a:r>
+            <a:r>
+              <a:rPr lang="fr-FR" baseline="0" dirty="0" err="1" smtClean="0"/>
+              <a:t>staging</a:t>
+            </a:r>
+            <a:r>
+              <a:rPr lang="fr-FR" baseline="0" dirty="0" smtClean="0"/>
+              <a:t> pour tester</a:t>
+            </a:r>
+          </a:p>
+          <a:p>
+            <a:pPr marL="171450" indent="-171450">
+              <a:buFontTx/>
+              <a:buChar char="-"/>
+            </a:pPr>
+            <a:r>
+              <a:rPr lang="fr-FR" baseline="0" dirty="0" smtClean="0"/>
+              <a:t>SWAP des deux environnements</a:t>
+            </a:r>
             <a:endParaRPr lang="fr-FR" dirty="0"/>
           </a:p>
         </p:txBody>
@@ -1854,7 +2060,7 @@
           <a:p>
             <a:fld id="{AEE4CA52-5E5C-4954-9A88-88781D912DF9}" type="datetime8">
               <a:rPr lang="en-US" smtClean="0"/>
-              <a:t>5/21/2015 1:43 AM</a:t>
+              <a:t>6/12/2015 3:49 PM</a:t>
             </a:fld>
             <a:endParaRPr lang="en-US" dirty="0"/>
           </a:p>
@@ -2035,7 +2241,7 @@
           <a:p>
             <a:fld id="{AEE4CA52-5E5C-4954-9A88-88781D912DF9}" type="datetime8">
               <a:rPr lang="en-US" smtClean="0"/>
-              <a:t>5/21/2015 1:43 AM</a:t>
+              <a:t>6/12/2015 3:49 PM</a:t>
             </a:fld>
             <a:endParaRPr lang="en-US" dirty="0"/>
           </a:p>
@@ -2122,6 +2328,423 @@
           <a:bodyPr/>
           <a:lstStyle/>
           <a:p>
+            <a:r>
+              <a:rPr lang="fr-FR" dirty="0" smtClean="0"/>
+              <a:t>Connecteurs</a:t>
+            </a:r>
+          </a:p>
+          <a:p>
+            <a:pPr marL="171450" indent="-171450">
+              <a:buFontTx/>
+              <a:buChar char="-"/>
+            </a:pPr>
+            <a:r>
+              <a:rPr lang="fr-FR" baseline="0" dirty="0" smtClean="0"/>
+              <a:t>Services externes (http, Azure Storage, FTP, …)</a:t>
+            </a:r>
+          </a:p>
+          <a:p>
+            <a:pPr marL="171450" indent="-171450">
+              <a:buFontTx/>
+              <a:buChar char="-"/>
+            </a:pPr>
+            <a:r>
+              <a:rPr lang="fr-FR" baseline="0" dirty="0" smtClean="0"/>
+              <a:t>Applications </a:t>
+            </a:r>
+            <a:r>
+              <a:rPr lang="fr-FR" baseline="0" dirty="0" err="1" smtClean="0"/>
+              <a:t>SaaS</a:t>
+            </a:r>
+            <a:r>
+              <a:rPr lang="fr-FR" baseline="0" dirty="0" smtClean="0"/>
+              <a:t> (</a:t>
+            </a:r>
+            <a:r>
+              <a:rPr lang="fr-FR" baseline="0" dirty="0" err="1" smtClean="0"/>
+              <a:t>DropBox</a:t>
+            </a:r>
+            <a:r>
+              <a:rPr lang="fr-FR" baseline="0" dirty="0" smtClean="0"/>
+              <a:t>, </a:t>
+            </a:r>
+            <a:r>
+              <a:rPr lang="fr-FR" baseline="0" dirty="0" err="1" smtClean="0"/>
+              <a:t>Salesforce</a:t>
+            </a:r>
+            <a:r>
+              <a:rPr lang="fr-FR" baseline="0" dirty="0" smtClean="0"/>
+              <a:t>, SharePoint)</a:t>
+            </a:r>
+          </a:p>
+          <a:p>
+            <a:pPr marL="171450" indent="-171450">
+              <a:buFontTx/>
+              <a:buChar char="-"/>
+            </a:pPr>
+            <a:r>
+              <a:rPr lang="fr-FR" baseline="0" dirty="0" smtClean="0"/>
+              <a:t>Fonctionnalités BizTalk (EAI, EDI, </a:t>
+            </a:r>
+            <a:r>
+              <a:rPr lang="fr-FR" baseline="0" dirty="0" err="1" smtClean="0"/>
+              <a:t>Rules</a:t>
+            </a:r>
+            <a:r>
+              <a:rPr lang="fr-FR" baseline="0" dirty="0" smtClean="0"/>
+              <a:t>, …)</a:t>
+            </a:r>
+          </a:p>
+          <a:p>
+            <a:pPr marL="0" indent="0">
+              <a:buFontTx/>
+              <a:buNone/>
+            </a:pPr>
+            <a:endParaRPr lang="fr-FR" dirty="0" smtClean="0"/>
+          </a:p>
+          <a:p>
+            <a:pPr marL="0" indent="0">
+              <a:buFontTx/>
+              <a:buNone/>
+            </a:pPr>
+            <a:r>
+              <a:rPr lang="fr-FR" dirty="0" smtClean="0"/>
+              <a:t>Gestion d’accès</a:t>
+            </a:r>
+            <a:r>
+              <a:rPr lang="fr-FR" baseline="0" dirty="0" smtClean="0"/>
+              <a:t> simplifiée</a:t>
+            </a:r>
+          </a:p>
+          <a:p>
+            <a:pPr marL="171450" indent="-171450">
+              <a:buFontTx/>
+              <a:buChar char="-"/>
+            </a:pPr>
+            <a:r>
+              <a:rPr lang="fr-FR" baseline="0" dirty="0" smtClean="0"/>
+              <a:t>Public ou privé</a:t>
+            </a:r>
+          </a:p>
+          <a:p>
+            <a:pPr marL="171450" indent="-171450">
+              <a:buFontTx/>
+              <a:buChar char="-"/>
+            </a:pPr>
+            <a:r>
+              <a:rPr lang="fr-FR" dirty="0" smtClean="0"/>
+              <a:t>Authentification via fournisseur d’identité tiers</a:t>
+            </a:r>
+          </a:p>
+          <a:p>
+            <a:pPr marL="0" indent="0">
+              <a:buFontTx/>
+              <a:buNone/>
+            </a:pPr>
+            <a:endParaRPr lang="fr-FR" dirty="0" smtClean="0"/>
+          </a:p>
+          <a:p>
+            <a:pPr marL="0" indent="0">
+              <a:buFontTx/>
+              <a:buNone/>
+            </a:pPr>
+            <a:r>
+              <a:rPr lang="fr-FR" dirty="0" smtClean="0"/>
+              <a:t>Marketplace</a:t>
+            </a:r>
+            <a:r>
+              <a:rPr lang="fr-FR" baseline="0" dirty="0" smtClean="0"/>
+              <a:t> privée </a:t>
+            </a:r>
+            <a:r>
+              <a:rPr lang="fr-FR" baseline="0" dirty="0" err="1" smtClean="0"/>
+              <a:t>inter-entreprise</a:t>
+            </a:r>
+            <a:r>
+              <a:rPr lang="fr-FR" baseline="0" dirty="0" smtClean="0"/>
+              <a:t> ou publique pour monétisation.</a:t>
+            </a:r>
+          </a:p>
+          <a:p>
+            <a:pPr marL="0" indent="0">
+              <a:buFontTx/>
+              <a:buNone/>
+            </a:pPr>
+            <a:r>
+              <a:rPr lang="fr-FR" baseline="0" dirty="0" smtClean="0"/>
+              <a:t>Capacité d’</a:t>
+            </a:r>
+            <a:r>
+              <a:rPr lang="fr-FR" baseline="0" dirty="0" err="1" smtClean="0"/>
+              <a:t>Automatic</a:t>
+            </a:r>
+            <a:r>
+              <a:rPr lang="fr-FR" baseline="0" dirty="0" smtClean="0"/>
+              <a:t> Update pour que les APIs que vous récupérez via la Marketplace soit toujours à jour</a:t>
+            </a:r>
+            <a:endParaRPr lang="fr-FR" dirty="0" smtClean="0"/>
+          </a:p>
+        </p:txBody>
+      </p:sp>
+      <p:sp>
+        <p:nvSpPr>
+          <p:cNvPr id="4" name="Header Placeholder 3"/>
+          <p:cNvSpPr>
+            <a:spLocks noGrp="1"/>
+          </p:cNvSpPr>
+          <p:nvPr>
+            <p:ph type="hdr" sz="quarter" idx="10"/>
+          </p:nvPr>
+        </p:nvSpPr>
+        <p:spPr/>
+        <p:txBody>
+          <a:bodyPr/>
+          <a:lstStyle/>
+          <a:p>
+            <a:endParaRPr lang="en-US" dirty="0"/>
+          </a:p>
+        </p:txBody>
+      </p:sp>
+      <p:sp>
+        <p:nvSpPr>
+          <p:cNvPr id="5" name="Footer Placeholder 4"/>
+          <p:cNvSpPr>
+            <a:spLocks noGrp="1"/>
+          </p:cNvSpPr>
+          <p:nvPr>
+            <p:ph type="ftr" sz="quarter" idx="11"/>
+          </p:nvPr>
+        </p:nvSpPr>
+        <p:spPr/>
+        <p:txBody>
+          <a:bodyPr/>
+          <a:lstStyle/>
+          <a:p>
+            <a:pPr defTabSz="914099" eaLnBrk="0" hangingPunct="0"/>
+            <a:r>
+              <a:rPr lang="en-US" sz="400" smtClean="0">
+                <a:gradFill>
+                  <a:gsLst>
+                    <a:gs pos="0">
+                      <a:prstClr val="black"/>
+                    </a:gs>
+                    <a:gs pos="100000">
+                      <a:prstClr val="black"/>
+                    </a:gs>
+                  </a:gsLst>
+                  <a:lin ang="5400000" scaled="0"/>
+                </a:gradFill>
+                <a:latin typeface="Segoe UI" pitchFamily="34" charset="0"/>
+                <a:ea typeface="Segoe UI" pitchFamily="34" charset="0"/>
+                <a:cs typeface="Segoe UI" pitchFamily="34" charset="0"/>
+              </a:rPr>
+              <a:t>© 2014 Microsoft Corporation. All rights reserved. MICROSOFT MAKES NO WARRANTIES, EXPRESS, IMPLIED OR STATUTORY, AS TO THE INFORMATION IN THIS PRESENTATION.</a:t>
+            </a:r>
+            <a:endParaRPr lang="en-US" sz="400" dirty="0" smtClean="0">
+              <a:gradFill>
+                <a:gsLst>
+                  <a:gs pos="0">
+                    <a:prstClr val="black"/>
+                  </a:gs>
+                  <a:gs pos="100000">
+                    <a:prstClr val="black"/>
+                  </a:gs>
+                </a:gsLst>
+                <a:lin ang="5400000" scaled="0"/>
+              </a:gradFill>
+              <a:latin typeface="Segoe UI" pitchFamily="34" charset="0"/>
+              <a:ea typeface="Segoe UI" pitchFamily="34" charset="0"/>
+              <a:cs typeface="Segoe UI" pitchFamily="34" charset="0"/>
+            </a:endParaRPr>
+          </a:p>
+        </p:txBody>
+      </p:sp>
+      <p:sp>
+        <p:nvSpPr>
+          <p:cNvPr id="6" name="Date Placeholder 5"/>
+          <p:cNvSpPr>
+            <a:spLocks noGrp="1"/>
+          </p:cNvSpPr>
+          <p:nvPr>
+            <p:ph type="dt" idx="12"/>
+          </p:nvPr>
+        </p:nvSpPr>
+        <p:spPr/>
+        <p:txBody>
+          <a:bodyPr/>
+          <a:lstStyle/>
+          <a:p>
+            <a:fld id="{AEE4CA52-5E5C-4954-9A88-88781D912DF9}" type="datetime8">
+              <a:rPr lang="en-US" smtClean="0"/>
+              <a:t>6/12/2015 3:50 PM</a:t>
+            </a:fld>
+            <a:endParaRPr lang="en-US" dirty="0"/>
+          </a:p>
+        </p:txBody>
+      </p:sp>
+      <p:sp>
+        <p:nvSpPr>
+          <p:cNvPr id="7" name="Slide Number Placeholder 6"/>
+          <p:cNvSpPr>
+            <a:spLocks noGrp="1"/>
+          </p:cNvSpPr>
+          <p:nvPr>
+            <p:ph type="sldNum" sz="quarter" idx="13"/>
+          </p:nvPr>
+        </p:nvSpPr>
+        <p:spPr/>
+        <p:txBody>
+          <a:bodyPr/>
+          <a:lstStyle/>
+          <a:p>
+            <a:fld id="{B4008EB6-D09E-4580-8CD6-DDB14511944F}" type="slidenum">
+              <a:rPr lang="en-US" smtClean="0"/>
+              <a:pPr/>
+              <a:t>9</a:t>
+            </a:fld>
+            <a:endParaRPr lang="en-US" dirty="0"/>
+          </a:p>
+        </p:txBody>
+      </p:sp>
+    </p:spTree>
+    <p:extLst>
+      <p:ext uri="{BB962C8B-B14F-4D97-AF65-F5344CB8AC3E}">
+        <p14:creationId xmlns:p14="http://schemas.microsoft.com/office/powerpoint/2010/main" val="676188841"/>
+      </p:ext>
+    </p:extLst>
+  </p:cSld>
+  <p:clrMapOvr>
+    <a:masterClrMapping/>
+  </p:clrMapOvr>
+</p:notes>
+</file>
+
+<file path=ppt/notesSlides/notesSlide7.xml><?xml version="1.0" encoding="utf-8"?>
+<p:notes xmlns:a="http://schemas.openxmlformats.org/drawingml/2006/main" xmlns:r="http://schemas.openxmlformats.org/officeDocument/2006/relationships" xmlns:p="http://schemas.openxmlformats.org/presentationml/2006/main">
+  <p:cSld>
+    <p:spTree>
+      <p:nvGrpSpPr>
+        <p:cNvPr id="1" name=""/>
+        <p:cNvGrpSpPr/>
+        <p:nvPr/>
+      </p:nvGrpSpPr>
+      <p:grpSpPr>
+        <a:xfrm>
+          <a:off x="0" y="0"/>
+          <a:ext cx="0" cy="0"/>
+          <a:chOff x="0" y="0"/>
+          <a:chExt cx="0" cy="0"/>
+        </a:xfrm>
+      </p:grpSpPr>
+      <p:sp>
+        <p:nvSpPr>
+          <p:cNvPr id="2" name="Slide Image Placeholder 1"/>
+          <p:cNvSpPr>
+            <a:spLocks noGrp="1" noRot="1" noChangeAspect="1"/>
+          </p:cNvSpPr>
+          <p:nvPr>
+            <p:ph type="sldImg"/>
+          </p:nvPr>
+        </p:nvSpPr>
+        <p:spPr/>
+      </p:sp>
+      <p:sp>
+        <p:nvSpPr>
+          <p:cNvPr id="3" name="Notes Placeholder 2"/>
+          <p:cNvSpPr>
+            <a:spLocks noGrp="1"/>
+          </p:cNvSpPr>
+          <p:nvPr>
+            <p:ph type="body" idx="1"/>
+          </p:nvPr>
+        </p:nvSpPr>
+        <p:spPr/>
+        <p:txBody>
+          <a:bodyPr/>
+          <a:lstStyle/>
+          <a:p>
+            <a:pPr marL="171450" indent="-171450">
+              <a:buFontTx/>
+              <a:buChar char="-"/>
+            </a:pPr>
+            <a:r>
+              <a:rPr lang="fr-FR" dirty="0" smtClean="0"/>
+              <a:t>Création</a:t>
+            </a:r>
+            <a:r>
+              <a:rPr lang="fr-FR" baseline="0" dirty="0" smtClean="0"/>
+              <a:t> d’une API App depuis le portail</a:t>
+            </a:r>
+          </a:p>
+          <a:p>
+            <a:pPr marL="171450" indent="-171450">
+              <a:buFontTx/>
+              <a:buChar char="-"/>
+            </a:pPr>
+            <a:r>
+              <a:rPr lang="fr-FR" dirty="0" smtClean="0"/>
+              <a:t>Publication d’une Web API</a:t>
+            </a:r>
+            <a:r>
+              <a:rPr lang="fr-FR" baseline="0" dirty="0" smtClean="0"/>
+              <a:t> depuis Visual Studio : </a:t>
+            </a:r>
+            <a:r>
+              <a:rPr lang="fr-FR" baseline="0" dirty="0" err="1" smtClean="0"/>
+              <a:t>Get</a:t>
+            </a:r>
+            <a:r>
+              <a:rPr lang="fr-FR" baseline="0" dirty="0" smtClean="0"/>
+              <a:t> </a:t>
+            </a:r>
+            <a:r>
+              <a:rPr lang="fr-FR" baseline="0" dirty="0" err="1" smtClean="0"/>
+              <a:t>Random</a:t>
+            </a:r>
+            <a:r>
+              <a:rPr lang="fr-FR" baseline="0" dirty="0" smtClean="0"/>
+              <a:t> entre x et y</a:t>
+            </a:r>
+          </a:p>
+          <a:p>
+            <a:pPr marL="171450" indent="-171450">
+              <a:buFontTx/>
+              <a:buChar char="-"/>
+            </a:pPr>
+            <a:r>
+              <a:rPr lang="fr-FR" baseline="0" dirty="0" smtClean="0"/>
+              <a:t>Aller voir la définition sur le portail</a:t>
+            </a:r>
+          </a:p>
+          <a:p>
+            <a:pPr marL="171450" indent="-171450">
+              <a:buFontTx/>
+              <a:buChar char="-"/>
+            </a:pPr>
+            <a:r>
+              <a:rPr lang="fr-FR" baseline="0" dirty="0" smtClean="0"/>
+              <a:t>Aller modifier la Gateway pour l’authentification</a:t>
+            </a:r>
+          </a:p>
+          <a:p>
+            <a:pPr marL="171450" indent="-171450">
+              <a:buFontTx/>
+              <a:buChar char="-"/>
+            </a:pPr>
+            <a:r>
+              <a:rPr lang="fr-FR" baseline="0" dirty="0" smtClean="0"/>
+              <a:t>Création d’un projet console depuis Visual Studio avec génération du proxy</a:t>
+            </a:r>
+          </a:p>
+          <a:p>
+            <a:pPr marL="171450" indent="-171450">
+              <a:buFontTx/>
+              <a:buChar char="-"/>
+            </a:pPr>
+            <a:r>
+              <a:rPr lang="fr-FR" baseline="0" dirty="0" smtClean="0"/>
+              <a:t>Utilisation de l’API</a:t>
+            </a:r>
             <a:endParaRPr lang="fr-FR" dirty="0"/>
           </a:p>
         </p:txBody>
@@ -2216,192 +2839,7 @@
           <a:p>
             <a:fld id="{AEE4CA52-5E5C-4954-9A88-88781D912DF9}" type="datetime8">
               <a:rPr lang="en-US" smtClean="0"/>
-              <a:t>5/21/2015 1:43 AM</a:t>
-            </a:fld>
-            <a:endParaRPr lang="en-US" dirty="0"/>
-          </a:p>
-        </p:txBody>
-      </p:sp>
-      <p:sp>
-        <p:nvSpPr>
-          <p:cNvPr id="7" name="Slide Number Placeholder 6"/>
-          <p:cNvSpPr>
-            <a:spLocks noGrp="1"/>
-          </p:cNvSpPr>
-          <p:nvPr>
-            <p:ph type="sldNum" sz="quarter" idx="13"/>
-          </p:nvPr>
-        </p:nvSpPr>
-        <p:spPr/>
-        <p:txBody>
-          <a:bodyPr/>
-          <a:lstStyle/>
-          <a:p>
-            <a:fld id="{B4008EB6-D09E-4580-8CD6-DDB14511944F}" type="slidenum">
-              <a:rPr lang="en-US" smtClean="0"/>
-              <a:pPr/>
-              <a:t>9</a:t>
-            </a:fld>
-            <a:endParaRPr lang="en-US" dirty="0"/>
-          </a:p>
-        </p:txBody>
-      </p:sp>
-    </p:spTree>
-    <p:extLst>
-      <p:ext uri="{BB962C8B-B14F-4D97-AF65-F5344CB8AC3E}">
-        <p14:creationId xmlns:p14="http://schemas.microsoft.com/office/powerpoint/2010/main" val="676188841"/>
-      </p:ext>
-    </p:extLst>
-  </p:cSld>
-  <p:clrMapOvr>
-    <a:masterClrMapping/>
-  </p:clrMapOvr>
-</p:notes>
-</file>
-
-<file path=ppt/notesSlides/notesSlide7.xml><?xml version="1.0" encoding="utf-8"?>
-<p:notes xmlns:a="http://schemas.openxmlformats.org/drawingml/2006/main" xmlns:r="http://schemas.openxmlformats.org/officeDocument/2006/relationships" xmlns:p="http://schemas.openxmlformats.org/presentationml/2006/main">
-  <p:cSld>
-    <p:spTree>
-      <p:nvGrpSpPr>
-        <p:cNvPr id="1" name=""/>
-        <p:cNvGrpSpPr/>
-        <p:nvPr/>
-      </p:nvGrpSpPr>
-      <p:grpSpPr>
-        <a:xfrm>
-          <a:off x="0" y="0"/>
-          <a:ext cx="0" cy="0"/>
-          <a:chOff x="0" y="0"/>
-          <a:chExt cx="0" cy="0"/>
-        </a:xfrm>
-      </p:grpSpPr>
-      <p:sp>
-        <p:nvSpPr>
-          <p:cNvPr id="2" name="Slide Image Placeholder 1"/>
-          <p:cNvSpPr>
-            <a:spLocks noGrp="1" noRot="1" noChangeAspect="1"/>
-          </p:cNvSpPr>
-          <p:nvPr>
-            <p:ph type="sldImg"/>
-          </p:nvPr>
-        </p:nvSpPr>
-        <p:spPr/>
-      </p:sp>
-      <p:sp>
-        <p:nvSpPr>
-          <p:cNvPr id="3" name="Notes Placeholder 2"/>
-          <p:cNvSpPr>
-            <a:spLocks noGrp="1"/>
-          </p:cNvSpPr>
-          <p:nvPr>
-            <p:ph type="body" idx="1"/>
-          </p:nvPr>
-        </p:nvSpPr>
-        <p:spPr/>
-        <p:txBody>
-          <a:bodyPr/>
-          <a:lstStyle/>
-          <a:p>
-            <a:pPr marL="171450" indent="-171450">
-              <a:buFontTx/>
-              <a:buChar char="-"/>
-            </a:pPr>
-            <a:endParaRPr lang="fr-FR" dirty="0"/>
-          </a:p>
-        </p:txBody>
-      </p:sp>
-      <p:sp>
-        <p:nvSpPr>
-          <p:cNvPr id="4" name="Header Placeholder 3"/>
-          <p:cNvSpPr>
-            <a:spLocks noGrp="1"/>
-          </p:cNvSpPr>
-          <p:nvPr>
-            <p:ph type="hdr" sz="quarter" idx="10"/>
-          </p:nvPr>
-        </p:nvSpPr>
-        <p:spPr/>
-        <p:txBody>
-          <a:bodyPr/>
-          <a:lstStyle/>
-          <a:p>
-            <a:endParaRPr lang="en-US" dirty="0"/>
-          </a:p>
-        </p:txBody>
-      </p:sp>
-      <p:sp>
-        <p:nvSpPr>
-          <p:cNvPr id="5" name="Footer Placeholder 4"/>
-          <p:cNvSpPr>
-            <a:spLocks noGrp="1"/>
-          </p:cNvSpPr>
-          <p:nvPr>
-            <p:ph type="ftr" sz="quarter" idx="11"/>
-          </p:nvPr>
-        </p:nvSpPr>
-        <p:spPr/>
-        <p:txBody>
-          <a:bodyPr/>
-          <a:lstStyle/>
-          <a:p>
-            <a:pPr defTabSz="914099" eaLnBrk="0" hangingPunct="0"/>
-            <a:r>
-              <a:rPr lang="en-US" sz="400" smtClean="0">
-                <a:gradFill>
-                  <a:gsLst>
-                    <a:gs pos="0">
-                      <a:prstClr val="black"/>
-                    </a:gs>
-                    <a:gs pos="100000">
-                      <a:prstClr val="black"/>
-                    </a:gs>
-                  </a:gsLst>
-                  <a:lin ang="5400000" scaled="0"/>
-                </a:gradFill>
-                <a:latin typeface="Segoe UI" pitchFamily="34" charset="0"/>
-                <a:ea typeface="Segoe UI" pitchFamily="34" charset="0"/>
-                <a:cs typeface="Segoe UI" pitchFamily="34" charset="0"/>
-              </a:rPr>
-              <a:t>© 2014 Microsoft Corporation. All rights reserved. MICROSOFT MAKES NO WARRANTIES, EXPRESS, IMPLIED OR STATUTORY, AS TO THE INFORMATION IN THIS PRESENTATION.</a:t>
-            </a:r>
-            <a:endParaRPr lang="en-US" sz="400" dirty="0" smtClean="0">
-              <a:gradFill>
-                <a:gsLst>
-                  <a:gs pos="0">
-                    <a:prstClr val="black"/>
-                  </a:gs>
-                  <a:gs pos="100000">
-                    <a:prstClr val="black"/>
-                  </a:gs>
-                </a:gsLst>
-                <a:lin ang="5400000" scaled="0"/>
-              </a:gradFill>
-              <a:latin typeface="Segoe UI" pitchFamily="34" charset="0"/>
-              <a:ea typeface="Segoe UI" pitchFamily="34" charset="0"/>
-              <a:cs typeface="Segoe UI" pitchFamily="34" charset="0"/>
-            </a:endParaRPr>
-          </a:p>
-        </p:txBody>
-      </p:sp>
-      <p:sp>
-        <p:nvSpPr>
-          <p:cNvPr id="6" name="Date Placeholder 5"/>
-          <p:cNvSpPr>
-            <a:spLocks noGrp="1"/>
-          </p:cNvSpPr>
-          <p:nvPr>
-            <p:ph type="dt" idx="12"/>
-          </p:nvPr>
-        </p:nvSpPr>
-        <p:spPr/>
-        <p:txBody>
-          <a:bodyPr/>
-          <a:lstStyle/>
-          <a:p>
-            <a:fld id="{AEE4CA52-5E5C-4954-9A88-88781D912DF9}" type="datetime8">
-              <a:rPr lang="en-US" smtClean="0"/>
-              <a:t>5/21/2015 1:43 AM</a:t>
+              <a:t>6/12/2015 3:49 PM</a:t>
             </a:fld>
             <a:endParaRPr lang="en-US" dirty="0"/>
           </a:p>
@@ -2487,6 +2925,76 @@
         <p:txBody>
           <a:bodyPr/>
           <a:lstStyle/>
+          <a:p>
+            <a:r>
+              <a:rPr lang="fr-FR" dirty="0" smtClean="0"/>
+              <a:t>Exemples de déclencheurs :</a:t>
+            </a:r>
+          </a:p>
+          <a:p>
+            <a:pPr marL="171450" indent="-171450">
+              <a:buFontTx/>
+              <a:buChar char="-"/>
+            </a:pPr>
+            <a:r>
+              <a:rPr lang="fr-FR" dirty="0" smtClean="0"/>
+              <a:t>Nouveaux enregistrements dans une base de données</a:t>
+            </a:r>
+          </a:p>
+          <a:p>
+            <a:pPr marL="171450" indent="-171450">
+              <a:buFontTx/>
+              <a:buChar char="-"/>
+            </a:pPr>
+            <a:r>
+              <a:rPr lang="fr-FR" dirty="0" smtClean="0"/>
+              <a:t>Nouveaux fichiers sur un service comme </a:t>
+            </a:r>
+            <a:r>
+              <a:rPr lang="fr-FR" dirty="0" err="1" smtClean="0"/>
+              <a:t>DropBox</a:t>
+            </a:r>
+            <a:endParaRPr lang="fr-FR" dirty="0" smtClean="0"/>
+          </a:p>
+          <a:p>
+            <a:pPr marL="171450" indent="-171450">
+              <a:buFontTx/>
+              <a:buChar char="-"/>
+            </a:pPr>
+            <a:r>
+              <a:rPr lang="fr-FR" dirty="0" smtClean="0"/>
+              <a:t>Récurrence</a:t>
+            </a:r>
+          </a:p>
+          <a:p>
+            <a:pPr marL="171450" indent="-171450">
+              <a:buFontTx/>
+              <a:buChar char="-"/>
+            </a:pPr>
+            <a:endParaRPr lang="fr-FR" dirty="0" smtClean="0"/>
+          </a:p>
+          <a:p>
+            <a:pPr marL="0" indent="0">
+              <a:buFontTx/>
+              <a:buNone/>
+            </a:pPr>
+            <a:r>
+              <a:rPr lang="fr-FR" dirty="0" smtClean="0"/>
+              <a:t>Passage des paramètres grâce à </a:t>
+            </a:r>
+            <a:r>
+              <a:rPr lang="fr-FR" dirty="0" err="1" smtClean="0"/>
+              <a:t>Swagger</a:t>
+            </a:r>
+            <a:endParaRPr lang="fr-FR" dirty="0" smtClean="0"/>
+          </a:p>
+          <a:p>
+            <a:pPr marL="0" indent="0">
+              <a:buFontTx/>
+              <a:buNone/>
+            </a:pPr>
+            <a:endParaRPr lang="fr-FR" dirty="0" smtClean="0"/>
+          </a:p>
           <a:p>
             <a:pPr marL="0" indent="0">
               <a:buFontTx/>
@@ -2586,7 +3094,7 @@
           <a:p>
             <a:fld id="{AEE4CA52-5E5C-4954-9A88-88781D912DF9}" type="datetime8">
               <a:rPr lang="en-US" smtClean="0"/>
-              <a:t>5/21/2015 1:43 AM</a:t>
+              <a:t>6/12/2015 3:50 PM</a:t>
             </a:fld>
             <a:endParaRPr lang="en-US" dirty="0"/>
           </a:p>
@@ -2677,7 +3185,80 @@
               <a:buFontTx/>
               <a:buChar char="-"/>
             </a:pPr>
-            <a:endParaRPr lang="fr-FR" dirty="0"/>
+            <a:r>
+              <a:rPr lang="fr-FR" dirty="0" smtClean="0"/>
+              <a:t>Création d’une </a:t>
+            </a:r>
+            <a:r>
+              <a:rPr lang="fr-FR" dirty="0" err="1" smtClean="0"/>
+              <a:t>Logic</a:t>
+            </a:r>
+            <a:r>
+              <a:rPr lang="fr-FR" dirty="0" smtClean="0"/>
+              <a:t> App depuis le portail</a:t>
+            </a:r>
+          </a:p>
+          <a:p>
+            <a:pPr marL="171450" indent="-171450">
+              <a:buFontTx/>
+              <a:buChar char="-"/>
+            </a:pPr>
+            <a:r>
+              <a:rPr lang="fr-FR" dirty="0" smtClean="0"/>
+              <a:t>Utilisation d’une récurrence comme trigger</a:t>
+            </a:r>
+          </a:p>
+          <a:p>
+            <a:pPr marL="171450" indent="-171450">
+              <a:buFontTx/>
+              <a:buChar char="-"/>
+            </a:pPr>
+            <a:r>
+              <a:rPr lang="fr-FR" dirty="0" smtClean="0"/>
+              <a:t>Utilisation de l’API pour récupérer</a:t>
+            </a:r>
+            <a:r>
+              <a:rPr lang="fr-FR" baseline="0" dirty="0" smtClean="0"/>
+              <a:t> des données</a:t>
+            </a:r>
+          </a:p>
+          <a:p>
+            <a:pPr marL="171450" indent="-171450">
+              <a:buFontTx/>
+              <a:buChar char="-"/>
+            </a:pPr>
+            <a:r>
+              <a:rPr lang="fr-FR" baseline="0" dirty="0" smtClean="0"/>
+              <a:t>Utilisation d’une action </a:t>
+            </a:r>
+            <a:r>
+              <a:rPr lang="fr-FR" baseline="0" dirty="0" err="1" smtClean="0"/>
+              <a:t>Twilio</a:t>
+            </a:r>
+            <a:r>
+              <a:rPr lang="fr-FR" baseline="0" dirty="0" smtClean="0"/>
+              <a:t> pour envoyer le résultat </a:t>
+            </a:r>
+            <a:r>
+              <a:rPr lang="fr-FR" baseline="0" smtClean="0"/>
+              <a:t>via SMS</a:t>
+            </a:r>
+            <a:endParaRPr lang="fr-FR" sz="900" kern="1200" dirty="0" smtClean="0">
+              <a:solidFill>
+                <a:schemeClr val="tx1"/>
+              </a:solidFill>
+              <a:effectLst/>
+              <a:latin typeface="Segoe UI Light" pitchFamily="34" charset="0"/>
+              <a:ea typeface="+mn-ea"/>
+              <a:cs typeface="+mn-cs"/>
+            </a:endParaRPr>
+          </a:p>
+          <a:p>
+            <a:pPr marL="171450" indent="-171450">
+              <a:buFontTx/>
+              <a:buChar char="-"/>
+            </a:pPr>
+            <a:endParaRPr lang="fr-FR" baseline="0" dirty="0" smtClean="0"/>
           </a:p>
         </p:txBody>
       </p:sp>
@@ -2771,7 +3352,7 @@
           <a:p>
             <a:fld id="{AEE4CA52-5E5C-4954-9A88-88781D912DF9}" type="datetime8">
               <a:rPr lang="en-US" smtClean="0"/>
-              <a:t>5/21/2015 1:43 AM</a:t>
+              <a:t>6/12/2015 3:49 PM</a:t>
             </a:fld>
             <a:endParaRPr lang="en-US" dirty="0"/>
           </a:p>
@@ -2861,6 +3442,51 @@
           </a:prstGeom>
         </p:spPr>
       </p:pic>
+      <p:sp>
+        <p:nvSpPr>
+          <p:cNvPr id="6" name="ZoneTexte 12"/>
+          <p:cNvSpPr txBox="1"/>
+          <p:nvPr userDrawn="1"/>
+        </p:nvSpPr>
+        <p:spPr>
+          <a:xfrm>
+            <a:off x="461963" y="2788683"/>
+            <a:ext cx="5747052" cy="734534"/>
+          </a:xfrm>
+          <a:prstGeom prst="rect">
+            <a:avLst/>
+          </a:prstGeom>
+          <a:noFill/>
+          <a:effectLst>
+            <a:glow rad="228600">
+              <a:schemeClr val="accent3">
+                <a:satMod val="175000"/>
+                <a:alpha val="40000"/>
+              </a:schemeClr>
+            </a:glow>
+            <a:innerShdw blurRad="114300">
+              <a:prstClr val="black"/>
+            </a:innerShdw>
+          </a:effectLst>
+        </p:spPr>
+        <p:txBody>
+          <a:bodyPr wrap="none" rtlCol="0">
+            <a:spAutoFit/>
+          </a:bodyPr>
+          <a:lstStyle/>
+          <a:p>
+            <a:r>
+              <a:rPr lang="fr-FR" sz="4080" dirty="0">
+                <a:solidFill>
+                  <a:prstClr val="white"/>
+                </a:solidFill>
+                <a:latin typeface="Segoe Pro Display Light" panose="020B0302040504020203" pitchFamily="34" charset="0"/>
+              </a:rPr>
+              <a:t>AMBIENT  INTELLIGENCE</a:t>
+            </a:r>
+          </a:p>
+        </p:txBody>
+      </p:sp>
       <p:sp>
         <p:nvSpPr>
           <p:cNvPr id="13" name="ZoneTexte 13"/>
@@ -9859,18 +10485,11 @@
             </a:pPr>
             <a:r>
               <a:rPr lang="fr-FR" sz="2800" dirty="0" smtClean="0"/>
-              <a:t>Plusieurs dizaines de modèles existants</a:t>
+              <a:t>Notions </a:t>
             </a:r>
-          </a:p>
-          <a:p>
-            <a:pPr>
-              <a:lnSpc>
-                <a:spcPct val="125000"/>
-              </a:lnSpc>
-            </a:pPr>
             <a:r>
               <a:rPr lang="fr-FR" sz="2800" dirty="0" smtClean="0"/>
-              <a:t>Notions de déclencheurs et d’actions</a:t>
+              <a:t>de déclencheurs et d’actions</a:t>
             </a:r>
           </a:p>
           <a:p>
@@ -9892,8 +10511,47 @@
             </a:pPr>
             <a:r>
               <a:rPr lang="fr-FR" sz="2800" dirty="0" smtClean="0"/>
-              <a:t>Monitoring sur l’exécution de chaque étape</a:t>
+              <a:t>Monitoring sur l’exécution de chaque </a:t>
             </a:r>
+            <a:r>
+              <a:rPr lang="fr-FR" sz="2800" dirty="0" smtClean="0"/>
+              <a:t>étape</a:t>
+            </a:r>
+          </a:p>
+          <a:p>
+            <a:pPr>
+              <a:lnSpc>
+                <a:spcPct val="125000"/>
+              </a:lnSpc>
+            </a:pPr>
+            <a:r>
+              <a:rPr lang="fr-FR" sz="2800" dirty="0"/>
+              <a:t>Plusieurs dizaines de modèles </a:t>
+            </a:r>
+            <a:r>
+              <a:rPr lang="fr-FR" sz="2800" dirty="0" smtClean="0"/>
+              <a:t>existants</a:t>
+            </a:r>
+            <a:endParaRPr lang="fr-FR" sz="2800" dirty="0"/>
+          </a:p>
+        </p:txBody>
+      </p:sp>
+      <p:sp>
+        <p:nvSpPr>
+          <p:cNvPr id="4" name="Text Placeholder 3"/>
+          <p:cNvSpPr>
+            <a:spLocks noGrp="1"/>
+          </p:cNvSpPr>
+          <p:nvPr>
+            <p:ph type="body" sz="quarter" idx="14"/>
+          </p:nvPr>
+        </p:nvSpPr>
+        <p:spPr/>
+        <p:txBody>
+          <a:bodyPr/>
+          <a:lstStyle/>
+          <a:p>
+            <a:endParaRPr lang="fr-FR"/>
           </a:p>
         </p:txBody>
       </p:sp>
@@ -10133,6 +10791,25 @@
               <a:rPr lang="fr-FR" dirty="0" smtClean="0"/>
               <a:t>Modèle conceptuel</a:t>
             </a:r>
+            <a:endParaRPr lang="fr-FR" dirty="0"/>
+          </a:p>
+        </p:txBody>
+      </p:sp>
+      <p:sp>
+        <p:nvSpPr>
+          <p:cNvPr id="4" name="Text Placeholder 3"/>
+          <p:cNvSpPr>
+            <a:spLocks noGrp="1"/>
+          </p:cNvSpPr>
+          <p:nvPr>
+            <p:ph type="body" sz="quarter" idx="14"/>
+          </p:nvPr>
+        </p:nvSpPr>
+        <p:spPr/>
+        <p:txBody>
+          <a:bodyPr/>
+          <a:lstStyle/>
+          <a:p>
             <a:endParaRPr lang="fr-FR" dirty="0"/>
           </a:p>
         </p:txBody>
@@ -11579,6 +12256,25 @@
       </p:sp>
       <p:sp>
         <p:nvSpPr>
+          <p:cNvPr id="4" name="Text Placeholder 3"/>
+          <p:cNvSpPr>
+            <a:spLocks noGrp="1"/>
+          </p:cNvSpPr>
+          <p:nvPr>
+            <p:ph type="body" sz="quarter" idx="14"/>
+          </p:nvPr>
+        </p:nvSpPr>
+        <p:spPr/>
+        <p:txBody>
+          <a:bodyPr/>
+          <a:lstStyle/>
+          <a:p>
+            <a:endParaRPr lang="fr-FR" dirty="0"/>
+          </a:p>
+        </p:txBody>
+      </p:sp>
+      <p:sp>
+        <p:nvSpPr>
           <p:cNvPr id="5" name="Text Placeholder 4"/>
           <p:cNvSpPr>
             <a:spLocks noGrp="1"/>
@@ -11828,6 +12524,25 @@
               <a:rPr lang="fr-FR" dirty="0" err="1" smtClean="0"/>
               <a:t>Environment</a:t>
             </a:r>
+            <a:endParaRPr lang="fr-FR" dirty="0"/>
+          </a:p>
+        </p:txBody>
+      </p:sp>
+      <p:sp>
+        <p:nvSpPr>
+          <p:cNvPr id="4" name="Text Placeholder 3"/>
+          <p:cNvSpPr>
+            <a:spLocks noGrp="1"/>
+          </p:cNvSpPr>
+          <p:nvPr>
+            <p:ph type="body" sz="quarter" idx="14"/>
+          </p:nvPr>
+        </p:nvSpPr>
+        <p:spPr/>
+        <p:txBody>
+          <a:bodyPr/>
+          <a:lstStyle/>
+          <a:p>
             <a:endParaRPr lang="fr-FR" dirty="0"/>
           </a:p>
         </p:txBody>
@@ -12194,11 +12909,11 @@
             <a:endParaRPr lang="fr-FR" sz="2000" dirty="0" smtClean="0"/>
           </a:p>
           <a:p>
-            <a:pPr lvl="1">
+            <a:pPr>
               <a:buFont typeface="Arial" panose="020B0604020202020204" pitchFamily="34" charset="0"/>
               <a:buChar char="•"/>
             </a:pPr>
-            <a:endParaRPr lang="fr-FR" sz="2000" dirty="0" smtClean="0"/>
+            <a:endParaRPr lang="fr-FR" sz="1400" dirty="0" smtClean="0"/>
           </a:p>
           <a:p>
             <a:pPr>
@@ -12265,11 +12980,42 @@
             <a:endParaRPr lang="fr-FR" sz="2000" dirty="0" smtClean="0"/>
           </a:p>
           <a:p>
+            <a:pPr lvl="1">
+              <a:buFont typeface="Arial" panose="020B0604020202020204" pitchFamily="34" charset="0"/>
+              <a:buChar char="•"/>
+            </a:pPr>
+            <a:r>
+              <a:rPr lang="fr-FR" sz="2000" dirty="0" smtClean="0"/>
+              <a:t>Free </a:t>
+            </a:r>
+            <a:r>
+              <a:rPr lang="fr-FR" sz="2000" dirty="0" err="1" smtClean="0"/>
+              <a:t>ebook</a:t>
+            </a:r>
+            <a:r>
+              <a:rPr lang="fr-FR" sz="2000" dirty="0"/>
+              <a:t> : </a:t>
+            </a:r>
+            <a:r>
+              <a:rPr lang="fr-FR" sz="2000" dirty="0">
+                <a:hlinkClick r:id="rId7"/>
+              </a:rPr>
+              <a:t>http://</a:t>
+            </a:r>
+            <a:r>
+              <a:rPr lang="fr-FR" sz="2000" dirty="0" smtClean="0">
+                <a:hlinkClick r:id="rId7"/>
+              </a:rPr>
+              <a:t>blogs.msdn.com/b/microsoft_press/archive/2015/06/09/free-ebook-microsoft-azure-essentials-azure-web-apps-for-developers.aspx</a:t>
+            </a:r>
+            <a:endParaRPr lang="fr-FR" sz="2000" dirty="0" smtClean="0"/>
+          </a:p>
+          <a:p>
             <a:pPr>
               <a:buFont typeface="Arial" panose="020B0604020202020204" pitchFamily="34" charset="0"/>
               <a:buChar char="•"/>
             </a:pPr>
-            <a:endParaRPr lang="fr-FR" sz="3200" dirty="0" smtClean="0"/>
+            <a:endParaRPr lang="fr-FR" sz="1600" dirty="0" smtClean="0"/>
           </a:p>
           <a:p>
             <a:pPr>
@@ -12292,7 +13038,7 @@
             </a:r>
             <a:r>
               <a:rPr lang="fr-FR" sz="2000" dirty="0" smtClean="0">
-                <a:hlinkClick r:id="rId7"/>
+                <a:hlinkClick r:id="rId8"/>
               </a:rPr>
               <a:t>http://channel9.msdn.com/Events/Build/2015/2-628</a:t>
             </a:r>
@@ -12309,7 +13055,7 @@
             </a:r>
             <a:r>
               <a:rPr lang="fr-FR" sz="2000" dirty="0" smtClean="0">
-                <a:hlinkClick r:id="rId8"/>
+                <a:hlinkClick r:id="rId9"/>
               </a:rPr>
               <a:t>http://channel9.msdn.com/Events/Build/2015/2-633</a:t>
             </a:r>
@@ -12326,7 +13072,7 @@
             </a:r>
             <a:r>
               <a:rPr lang="fr-FR" sz="2000" dirty="0" smtClean="0">
-                <a:hlinkClick r:id="rId9"/>
+                <a:hlinkClick r:id="rId10"/>
               </a:rPr>
               <a:t>http://channel9.msdn.com/Events/Build/2015/2-760</a:t>
             </a:r>
@@ -12347,11 +13093,30 @@
             </a:r>
             <a:r>
               <a:rPr lang="fr-FR" sz="2000" dirty="0" smtClean="0">
-                <a:hlinkClick r:id="rId10"/>
+                <a:hlinkClick r:id="rId11"/>
               </a:rPr>
               <a:t>http://channel9.msdn.com/Events/Build/2015/2-707</a:t>
             </a:r>
             <a:endParaRPr lang="fr-FR" sz="2000" dirty="0" smtClean="0"/>
+          </a:p>
+        </p:txBody>
+      </p:sp>
+      <p:sp>
+        <p:nvSpPr>
+          <p:cNvPr id="4" name="Text Placeholder 3"/>
+          <p:cNvSpPr>
+            <a:spLocks noGrp="1"/>
+          </p:cNvSpPr>
+          <p:nvPr>
+            <p:ph type="body" sz="quarter" idx="14"/>
+          </p:nvPr>
+        </p:nvSpPr>
+        <p:spPr/>
+        <p:txBody>
+          <a:bodyPr/>
+          <a:lstStyle/>
+          <a:p>
+            <a:endParaRPr lang="fr-FR"/>
           </a:p>
         </p:txBody>
       </p:sp>
@@ -32978,6 +33743,25 @@
       </p:sp>
       <p:sp>
         <p:nvSpPr>
+          <p:cNvPr id="7" name="Text Placeholder 6"/>
+          <p:cNvSpPr>
+            <a:spLocks noGrp="1"/>
+          </p:cNvSpPr>
+          <p:nvPr>
+            <p:ph type="body" sz="quarter" idx="14"/>
+          </p:nvPr>
+        </p:nvSpPr>
+        <p:spPr/>
+        <p:txBody>
+          <a:bodyPr/>
+          <a:lstStyle/>
+          <a:p>
+            <a:endParaRPr lang="fr-FR" dirty="0"/>
+          </a:p>
+        </p:txBody>
+      </p:sp>
+      <p:sp>
+        <p:nvSpPr>
           <p:cNvPr id="8" name="Text Placeholder 7"/>
           <p:cNvSpPr>
             <a:spLocks noGrp="1"/>
@@ -33823,7 +34607,7 @@
               </a:lnSpc>
             </a:pPr>
             <a:r>
-              <a:rPr lang="fr-FR" sz="2800" dirty="0" smtClean="0"/>
+              <a:rPr lang="fr-FR" sz="2800" dirty="0"/>
               <a:t>Pas de code spécifique</a:t>
             </a:r>
           </a:p>
@@ -33834,7 +34618,7 @@
               </a:lnSpc>
             </a:pPr>
             <a:r>
-              <a:rPr lang="fr-FR" sz="2800" dirty="0" smtClean="0"/>
+              <a:rPr lang="fr-FR" sz="2800" dirty="0"/>
               <a:t>.NET, Node.js, Java, PHP, Python</a:t>
             </a:r>
           </a:p>
@@ -33845,11 +34629,11 @@
               </a:lnSpc>
             </a:pPr>
             <a:r>
-              <a:rPr lang="fr-FR" sz="2800" dirty="0" err="1" smtClean="0"/>
+              <a:rPr lang="fr-FR" sz="2800" dirty="0" err="1"/>
               <a:t>WebJobs</a:t>
             </a:r>
             <a:r>
-              <a:rPr lang="fr-FR" sz="2800" dirty="0" smtClean="0"/>
+              <a:rPr lang="fr-FR" sz="2800" dirty="0"/>
               <a:t> pour les tâches longues</a:t>
             </a:r>
           </a:p>
@@ -33860,15 +34644,15 @@
               </a:lnSpc>
             </a:pPr>
             <a:r>
-              <a:rPr lang="fr-FR" sz="2800" dirty="0" smtClean="0"/>
+              <a:rPr lang="fr-FR" sz="2800" dirty="0"/>
               <a:t>Outillage Visual Studio (publication, </a:t>
             </a:r>
             <a:r>
-              <a:rPr lang="fr-FR" sz="2800" dirty="0" err="1" smtClean="0"/>
+              <a:rPr lang="fr-FR" sz="2800" dirty="0" err="1"/>
               <a:t>debug</a:t>
             </a:r>
             <a:r>
-              <a:rPr lang="fr-FR" sz="2800" dirty="0" smtClean="0"/>
+              <a:rPr lang="fr-FR" sz="2800" dirty="0"/>
               <a:t>, …)</a:t>
             </a:r>
           </a:p>
@@ -33879,22 +34663,41 @@
               </a:lnSpc>
             </a:pPr>
             <a:r>
-              <a:rPr lang="fr-FR" sz="2800" dirty="0" smtClean="0"/>
+              <a:rPr lang="fr-FR" sz="2800" dirty="0"/>
+              <a:t>Publication FPT, Git, Web </a:t>
+            </a:r>
+            <a:r>
+              <a:rPr lang="fr-FR" sz="2800" dirty="0" err="1"/>
+              <a:t>Deploy</a:t>
+            </a:r>
+            <a:r>
+              <a:rPr lang="fr-FR" sz="2800" dirty="0"/>
+              <a:t>, PowerShell, CLI</a:t>
+            </a:r>
+          </a:p>
+          <a:p>
+            <a:pPr>
+              <a:lnSpc>
+                <a:spcPct val="125000"/>
+              </a:lnSpc>
+            </a:pPr>
+            <a:r>
+              <a:rPr lang="fr-FR" sz="2800" dirty="0"/>
               <a:t>Intégration Continu avec VSO, </a:t>
             </a:r>
             <a:r>
-              <a:rPr lang="fr-FR" sz="2800" dirty="0" err="1" smtClean="0"/>
+              <a:rPr lang="fr-FR" sz="2800" dirty="0" err="1"/>
               <a:t>GitHub</a:t>
             </a:r>
             <a:r>
-              <a:rPr lang="fr-FR" sz="2800" dirty="0" smtClean="0"/>
+              <a:rPr lang="fr-FR" sz="2800" dirty="0"/>
               <a:t>, </a:t>
             </a:r>
             <a:r>
-              <a:rPr lang="fr-FR" sz="2800" dirty="0" err="1" smtClean="0"/>
+              <a:rPr lang="fr-FR" sz="2800" dirty="0" err="1"/>
               <a:t>BitBucket</a:t>
             </a:r>
-            <a:endParaRPr lang="fr-FR" sz="2800" dirty="0" smtClean="0"/>
+            <a:endParaRPr lang="fr-FR" sz="2800" dirty="0"/>
           </a:p>
           <a:p>
             <a:pPr>
@@ -33914,50 +34717,50 @@
               </a:lnSpc>
             </a:pPr>
             <a:r>
-              <a:rPr lang="fr-FR" sz="2800" dirty="0" err="1" smtClean="0"/>
+              <a:rPr lang="fr-FR" sz="2800" dirty="0" err="1"/>
               <a:t>Load</a:t>
             </a:r>
             <a:r>
-              <a:rPr lang="fr-FR" sz="2800" dirty="0" smtClean="0"/>
+              <a:rPr lang="fr-FR" sz="2800" dirty="0"/>
               <a:t> </a:t>
             </a:r>
             <a:r>
-              <a:rPr lang="fr-FR" sz="2800" dirty="0" err="1" smtClean="0"/>
+              <a:rPr lang="fr-FR" sz="2800" dirty="0" err="1"/>
               <a:t>Balancing</a:t>
             </a:r>
             <a:r>
-              <a:rPr lang="fr-FR" sz="2800" dirty="0" smtClean="0"/>
+              <a:rPr lang="fr-FR" sz="2800" dirty="0"/>
               <a:t>, </a:t>
             </a:r>
             <a:r>
-              <a:rPr lang="fr-FR" sz="2800" dirty="0" err="1" smtClean="0"/>
+              <a:rPr lang="fr-FR" sz="2800" dirty="0" err="1"/>
               <a:t>Autoscale</a:t>
             </a:r>
             <a:r>
-              <a:rPr lang="fr-FR" sz="2800" dirty="0" smtClean="0"/>
+              <a:rPr lang="fr-FR" sz="2800" dirty="0"/>
               <a:t>, </a:t>
             </a:r>
             <a:r>
-              <a:rPr lang="fr-FR" sz="2800" dirty="0" err="1" smtClean="0"/>
+              <a:rPr lang="fr-FR" sz="2800" dirty="0" err="1"/>
               <a:t>Geo</a:t>
             </a:r>
             <a:r>
-              <a:rPr lang="fr-FR" sz="2800" dirty="0" smtClean="0"/>
+              <a:rPr lang="fr-FR" sz="2800" dirty="0"/>
               <a:t> </a:t>
             </a:r>
             <a:r>
-              <a:rPr lang="fr-FR" sz="2800" dirty="0" err="1" smtClean="0"/>
+              <a:rPr lang="fr-FR" sz="2800" dirty="0" err="1"/>
               <a:t>Disaster</a:t>
             </a:r>
             <a:r>
-              <a:rPr lang="fr-FR" sz="2800" dirty="0" smtClean="0"/>
+              <a:rPr lang="fr-FR" sz="2800" dirty="0"/>
               <a:t> </a:t>
             </a:r>
             <a:r>
-              <a:rPr lang="fr-FR" sz="2800" dirty="0" err="1" smtClean="0"/>
+              <a:rPr lang="fr-FR" sz="2800" dirty="0" err="1"/>
               <a:t>Recovery</a:t>
             </a:r>
-            <a:endParaRPr lang="fr-FR" sz="2800" dirty="0" smtClean="0"/>
+            <a:endParaRPr lang="fr-FR" sz="2800" dirty="0"/>
           </a:p>
           <a:p>
             <a:pPr>
@@ -33966,9 +34769,28 @@
               </a:lnSpc>
             </a:pPr>
             <a:r>
-              <a:rPr lang="fr-FR" sz="2800" dirty="0" smtClean="0"/>
+              <a:rPr lang="fr-FR" sz="2800" dirty="0"/>
               <a:t>Intégration Virtual Network et connexions hybrides</a:t>
             </a:r>
+          </a:p>
+        </p:txBody>
+      </p:sp>
+      <p:sp>
+        <p:nvSpPr>
+          <p:cNvPr id="4" name="Text Placeholder 3"/>
+          <p:cNvSpPr>
+            <a:spLocks noGrp="1"/>
+          </p:cNvSpPr>
+          <p:nvPr>
+            <p:ph type="body" sz="quarter" idx="14"/>
+          </p:nvPr>
+        </p:nvSpPr>
+        <p:spPr/>
+        <p:txBody>
+          <a:bodyPr/>
+          <a:lstStyle/>
+          <a:p>
+            <a:endParaRPr lang="fr-FR"/>
           </a:p>
         </p:txBody>
       </p:sp>
@@ -34204,6 +35026,25 @@
               <a:rPr lang="fr-FR" dirty="0" smtClean="0"/>
               <a:t>Architecture des services</a:t>
             </a:r>
+            <a:endParaRPr lang="fr-FR" dirty="0"/>
+          </a:p>
+        </p:txBody>
+      </p:sp>
+      <p:sp>
+        <p:nvSpPr>
+          <p:cNvPr id="7" name="Text Placeholder 6"/>
+          <p:cNvSpPr>
+            <a:spLocks noGrp="1"/>
+          </p:cNvSpPr>
+          <p:nvPr>
+            <p:ph type="body" sz="quarter" idx="14"/>
+          </p:nvPr>
+        </p:nvSpPr>
+        <p:spPr/>
+        <p:txBody>
+          <a:bodyPr/>
+          <a:lstStyle/>
+          <a:p>
             <a:endParaRPr lang="fr-FR" dirty="0"/>
           </a:p>
         </p:txBody>
@@ -35115,8 +35956,28 @@
               </a:lnSpc>
             </a:pPr>
             <a:r>
+              <a:rPr lang="fr-FR" sz="2800" dirty="0"/>
+              <a:t>Gestion d’accès simplifiée (Gateway</a:t>
+            </a:r>
+            <a:r>
               <a:rPr lang="fr-FR" sz="2800" dirty="0" smtClean="0"/>
-              <a:t>Plusieurs dizaines de connecteurs (</a:t>
+              <a:t>)</a:t>
+            </a:r>
+            <a:endParaRPr lang="fr-FR" sz="2800" dirty="0" smtClean="0"/>
+          </a:p>
+          <a:p>
+            <a:pPr>
+              <a:lnSpc>
+                <a:spcPct val="125000"/>
+              </a:lnSpc>
+            </a:pPr>
+            <a:r>
+              <a:rPr lang="fr-FR" sz="2800" dirty="0" smtClean="0"/>
+              <a:t>Plusieurs </a:t>
+            </a:r>
+            <a:r>
+              <a:rPr lang="fr-FR" sz="2800" dirty="0" smtClean="0"/>
+              <a:t>dizaines de connecteurs (</a:t>
             </a:r>
             <a:r>
               <a:rPr lang="fr-FR" sz="2800" dirty="0" err="1" smtClean="0"/>
@@ -35136,18 +35997,11 @@
             </a:pPr>
             <a:r>
               <a:rPr lang="fr-FR" sz="2800" dirty="0" smtClean="0"/>
-              <a:t>Gestion d’accès simplifiée (Gateway)</a:t>
+              <a:t>A </a:t>
             </a:r>
-          </a:p>
-          <a:p>
-            <a:pPr>
-              <a:lnSpc>
-                <a:spcPct val="125000"/>
-              </a:lnSpc>
-            </a:pPr>
             <a:r>
               <a:rPr lang="fr-FR" sz="2800" dirty="0" smtClean="0"/>
-              <a:t>A venir : </a:t>
+              <a:t>venir : </a:t>
             </a:r>
             <a:r>
               <a:rPr lang="fr-FR" sz="2800" dirty="0"/>
@@ -35157,6 +36011,25 @@
               <a:rPr lang="fr-FR" sz="2800" dirty="0" smtClean="0"/>
               <a:t>arketplace privée et publique</a:t>
             </a:r>
+          </a:p>
+        </p:txBody>
+      </p:sp>
+      <p:sp>
+        <p:nvSpPr>
+          <p:cNvPr id="4" name="Text Placeholder 3"/>
+          <p:cNvSpPr>
+            <a:spLocks noGrp="1"/>
+          </p:cNvSpPr>
+          <p:nvPr>
+            <p:ph type="body" sz="quarter" idx="14"/>
+          </p:nvPr>
+        </p:nvSpPr>
+        <p:spPr/>
+        <p:txBody>
+          <a:bodyPr/>
+          <a:lstStyle/>
+          <a:p>
+            <a:endParaRPr lang="fr-FR"/>
           </a:p>
         </p:txBody>
       </p:sp>
@@ -36144,4 +37017,224 @@
     </a:folHlink>
   </a:clrScheme>
 </a:themeOverride>
+</file>
+
+<file path=customXml/item1.xml><?xml version="1.0" encoding="utf-8"?>
+<ct:contentTypeSchema xmlns:ct="http://schemas.microsoft.com/office/2006/metadata/contentType" xmlns:ma="http://schemas.microsoft.com/office/2006/metadata/properties/metaAttributes" ct:_="" ma:_="" ma:contentTypeName="Document" ma:contentTypeID="0x010100CF94228C012281408BE038DCEFE23D0C" ma:contentTypeVersion="3" ma:contentTypeDescription="Create a new document." ma:contentTypeScope="" ma:versionID="bacf4b3ba01fb4bb0bbafd8dcc16674f">
+  <xsd:schema xmlns:xsd="http://www.w3.org/2001/XMLSchema" xmlns:xs="http://www.w3.org/2001/XMLSchema" xmlns:p="http://schemas.microsoft.com/office/2006/metadata/properties" xmlns:ns3="a66c5a9c-c997-405d-a3a5-19abaade415c" targetNamespace="http://schemas.microsoft.com/office/2006/metadata/properties" ma:root="true" ma:fieldsID="1e87e06e5b357b1a8ffd08119c5f6ae5" ns3:_="">
+    <xsd:import namespace="a66c5a9c-c997-405d-a3a5-19abaade415c"/>
+    <xsd:element name="properties">
+      <xsd:complexType>
+        <xsd:sequence>
+          <xsd:element name="documentManagement">
+            <xsd:complexType>
+              <xsd:all>
+                <xsd:element ref="ns3:SharedWithUsers" minOccurs="0"/>
+                <xsd:element ref="ns3:SharingHintHash" minOccurs="0"/>
+                <xsd:element ref="ns3:SharedWithDetails" minOccurs="0"/>
+              </xsd:all>
+            </xsd:complexType>
+          </xsd:element>
+        </xsd:sequence>
+      </xsd:complexType>
+    </xsd:element>
+  </xsd:schema>
+  <xsd:schema xmlns:xsd="http://www.w3.org/2001/XMLSchema" xmlns:xs="http://www.w3.org/2001/XMLSchema" xmlns:dms="http://schemas.microsoft.com/office/2006/documentManagement/types" xmlns:pc="http://schemas.microsoft.com/office/infopath/2007/PartnerControls" targetNamespace="a66c5a9c-c997-405d-a3a5-19abaade415c" elementFormDefault="qualified">
+    <xsd:import namespace="http://schemas.microsoft.com/office/2006/documentManagement/types"/>
+    <xsd:import namespace="http://schemas.microsoft.com/office/infopath/2007/PartnerControls"/>
+    <xsd:element name="SharedWithUsers" ma:index="8" nillable="true" ma:displayName="Shared With" ma:internalName="SharedWithUsers" ma:readOnly="true">
+      <xsd:complexType>
+        <xsd:complexContent>
+          <xsd:extension base="dms:UserMulti">
+            <xsd:sequence>
+              <xsd:element name="UserInfo" minOccurs="0" maxOccurs="unbounded">
+                <xsd:complexType>
+                  <xsd:sequence>
+                    <xsd:element name="DisplayName" type="xsd:string" minOccurs="0"/>
+                    <xsd:element name="AccountId" type="dms:UserId" minOccurs="0" nillable="true"/>
+                    <xsd:element name="AccountType" type="xsd:string" minOccurs="0"/>
+                  </xsd:sequence>
+                </xsd:complexType>
+              </xsd:element>
+            </xsd:sequence>
+          </xsd:extension>
+        </xsd:complexContent>
+      </xsd:complexType>
+    </xsd:element>
+    <xsd:element name="SharingHintHash" ma:index="9" nillable="true" ma:displayName="Sharing Hint Hash" ma:internalName="SharingHintHash" ma:readOnly="true">
+      <xsd:simpleType>
+        <xsd:restriction base="dms:Text"/>
+      </xsd:simpleType>
+    </xsd:element>
+    <xsd:element name="SharedWithDetails" ma:index="10" nillable="true" ma:displayName="Shared With Details" ma:internalName="SharedWithDetails" ma:readOnly="true">
+      <xsd:simpleType>
+        <xsd:restriction base="dms:Note">
+          <xsd:maxLength value="255"/>
+        </xsd:restriction>
+      </xsd:simpleType>
+    </xsd:element>
+  </xsd:schema>
+  <xsd:schema xmlns="http://schemas.openxmlformats.org/package/2006/metadata/core-properties" xmlns:xsd="http://www.w3.org/2001/XMLSchema" xmlns:xsi="http://www.w3.org/2001/XMLSchema-instance" xmlns:dc="http://purl.org/dc/elements/1.1/" xmlns:dcterms="http://purl.org/dc/terms/" xmlns:odoc="http://schemas.microsoft.com/internal/obd" targetNamespace="http://schemas.openxmlformats.org/package/2006/metadata/core-properties" elementFormDefault="qualified" attributeFormDefault="unqualified" blockDefault="#all">
+    <xsd:import namespace="http://purl.org/dc/elements/1.1/" schemaLocation="http://dublincore.org/schemas/xmls/qdc/2003/04/02/dc.xsd"/>
+    <xsd:import namespace="http://purl.org/dc/terms/" schemaLocation="http://dublincore.org/schemas/xmls/qdc/2003/04/02/dcterms.xsd"/>
+    <xsd:element name="coreProperties" type="CT_coreProperties"/>
+    <xsd:complexType name="CT_coreProperties">
+      <xsd:all>
+        <xsd:element ref="dc:creator" minOccurs="0" maxOccurs="1"/>
+        <xsd:element ref="dcterms:created" minOccurs="0" maxOccurs="1"/>
+        <xsd:element ref="dc:identifier" minOccurs="0" maxOccurs="1"/>
+        <xsd:element name="contentType" minOccurs="0" maxOccurs="1" type="xsd:string" ma:index="0" ma:displayName="Content Type"/>
+        <xsd:element ref="dc:title" minOccurs="0" maxOccurs="1" ma:index="4" ma:displayName="Title"/>
+        <xsd:element ref="dc:subject" minOccurs="0" maxOccurs="1"/>
+        <xsd:element ref="dc:description" minOccurs="0" maxOccurs="1"/>
+        <xsd:element name="keywords" minOccurs="0" maxOccurs="1" type="xsd:string"/>
+        <xsd:element ref="dc:language" minOccurs="0" maxOccurs="1"/>
+        <xsd:element name="category" minOccurs="0" maxOccurs="1" type="xsd:string"/>
+        <xsd:element name="version" minOccurs="0" maxOccurs="1" type="xsd:string"/>
+        <xsd:element name="revision" minOccurs="0" maxOccurs="1" type="xsd:string">
+          <xsd:annotation>
+            <xsd:documentation>
+                        This value indicates the number of saves or revisions. The application is responsible for updating this value after each revision.
+                    </xsd:documentation>
+          </xsd:annotation>
+        </xsd:element>
+        <xsd:element name="lastModifiedBy" minOccurs="0" maxOccurs="1" type="xsd:string"/>
+        <xsd:element ref="dcterms:modified" minOccurs="0" maxOccurs="1"/>
+        <xsd:element name="contentStatus" minOccurs="0" maxOccurs="1" type="xsd:string"/>
+      </xsd:all>
+    </xsd:complexType>
+  </xsd:schema>
+  <xs:schema xmlns:pc="http://schemas.microsoft.com/office/infopath/2007/PartnerControls" xmlns:xs="http://www.w3.org/2001/XMLSchema" targetNamespace="http://schemas.microsoft.com/office/infopath/2007/PartnerControls" elementFormDefault="qualified" attributeFormDefault="unqualified">
+    <xs:element name="Person">
+      <xs:complexType>
+        <xs:sequence>
+          <xs:element ref="pc:DisplayName" minOccurs="0"/>
+          <xs:element ref="pc:AccountId" minOccurs="0"/>
+          <xs:element ref="pc:AccountType" minOccurs="0"/>
+        </xs:sequence>
+      </xs:complexType>
+    </xs:element>
+    <xs:element name="DisplayName" type="xs:string"/>
+    <xs:element name="AccountId" type="xs:string"/>
+    <xs:element name="AccountType" type="xs:string"/>
+    <xs:element name="BDCAssociatedEntity">
+      <xs:complexType>
+        <xs:sequence>
+          <xs:element ref="pc:BDCEntity" minOccurs="0" maxOccurs="unbounded"/>
+        </xs:sequence>
+        <xs:attribute ref="pc:EntityNamespace"/>
+        <xs:attribute ref="pc:EntityName"/>
+        <xs:attribute ref="pc:SystemInstanceName"/>
+        <xs:attribute ref="pc:AssociationName"/>
+      </xs:complexType>
+    </xs:element>
+    <xs:attribute name="EntityNamespace" type="xs:string"/>
+    <xs:attribute name="EntityName" type="xs:string"/>
+    <xs:attribute name="SystemInstanceName" type="xs:string"/>
+    <xs:attribute name="AssociationName" type="xs:string"/>
+    <xs:element name="BDCEntity">
+      <xs:complexType>
+        <xs:sequence>
+          <xs:element ref="pc:EntityDisplayName" minOccurs="0"/>
+          <xs:element ref="pc:EntityInstanceReference" minOccurs="0"/>
+          <xs:element ref="pc:EntityId1" minOccurs="0"/>
+          <xs:element ref="pc:EntityId2" minOccurs="0"/>
+          <xs:element ref="pc:EntityId3" minOccurs="0"/>
+          <xs:element ref="pc:EntityId4" minOccurs="0"/>
+          <xs:element ref="pc:EntityId5" minOccurs="0"/>
+        </xs:sequence>
+      </xs:complexType>
+    </xs:element>
+    <xs:element name="EntityDisplayName" type="xs:string"/>
+    <xs:element name="EntityInstanceReference" type="xs:string"/>
+    <xs:element name="EntityId1" type="xs:string"/>
+    <xs:element name="EntityId2" type="xs:string"/>
+    <xs:element name="EntityId3" type="xs:string"/>
+    <xs:element name="EntityId4" type="xs:string"/>
+    <xs:element name="EntityId5" type="xs:string"/>
+    <xs:element name="Terms">
+      <xs:complexType>
+        <xs:sequence>
+          <xs:element ref="pc:TermInfo" minOccurs="0" maxOccurs="unbounded"/>
+        </xs:sequence>
+      </xs:complexType>
+    </xs:element>
+    <xs:element name="TermInfo">
+      <xs:complexType>
+        <xs:sequence>
+          <xs:element ref="pc:TermName" minOccurs="0"/>
+          <xs:element ref="pc:TermId" minOccurs="0"/>
+        </xs:sequence>
+      </xs:complexType>
+    </xs:element>
+    <xs:element name="TermName" type="xs:string"/>
+    <xs:element name="TermId" type="xs:string"/>
+  </xs:schema>
+</ct:contentTypeSchema>
+</file>
+
+<file path=customXml/item2.xml><?xml version="1.0" encoding="utf-8"?>
+<p:properties xmlns:p="http://schemas.microsoft.com/office/2006/metadata/properties" xmlns:xsi="http://www.w3.org/2001/XMLSchema-instance" xmlns:pc="http://schemas.microsoft.com/office/infopath/2007/PartnerControls">
+  <documentManagement>
+    <SharedWithUsers xmlns="a66c5a9c-c997-405d-a3a5-19abaade415c">
+      <UserInfo>
+        <DisplayName/>
+        <AccountId xsi:nil="true"/>
+        <AccountType/>
+      </UserInfo>
+    </SharedWithUsers>
+    <SharingHintHash xmlns="a66c5a9c-c997-405d-a3a5-19abaade415c">-690871027</SharingHintHash>
+  </documentManagement>
+</p:properties>
+</file>
+
+<file path=customXml/item3.xml><?xml version="1.0" encoding="utf-8"?>
+<?mso-contentType ?>
+<FormTemplates xmlns="http://schemas.microsoft.com/sharepoint/v3/contenttype/forms">
+  <Display>DocumentLibraryForm</Display>
+  <Edit>DocumentLibraryForm</Edit>
+  <New>DocumentLibraryForm</New>
+</FormTemplates>
+</file>
+
+<file path=customXml/itemProps1.xml><?xml version="1.0" encoding="utf-8"?>
+<ds:datastoreItem xmlns:ds="http://schemas.openxmlformats.org/officeDocument/2006/customXml" ds:itemID="{5E279083-36C0-4E32-8BD5-CE34A955FC61}">
+  <ds:schemaRefs>
+    <ds:schemaRef ds:uri="http://schemas.microsoft.com/office/2006/metadata/contentType"/>
+    <ds:schemaRef ds:uri="http://schemas.microsoft.com/office/2006/metadata/properties/metaAttributes"/>
+    <ds:schemaRef ds:uri="http://www.w3.org/2001/XMLSchema"/>
+    <ds:schemaRef ds:uri="http://schemas.microsoft.com/office/2006/metadata/properties"/>
+    <ds:schemaRef ds:uri="a66c5a9c-c997-405d-a3a5-19abaade415c"/>
+    <ds:schemaRef ds:uri="http://schemas.microsoft.com/office/2006/documentManagement/types"/>
+    <ds:schemaRef ds:uri="http://schemas.microsoft.com/office/infopath/2007/PartnerControls"/>
+    <ds:schemaRef ds:uri="http://schemas.openxmlformats.org/package/2006/metadata/core-properties"/>
+    <ds:schemaRef ds:uri="http://purl.org/dc/elements/1.1/"/>
+    <ds:schemaRef ds:uri="http://purl.org/dc/terms/"/>
+    <ds:schemaRef ds:uri="http://schemas.microsoft.com/internal/obd"/>
+  </ds:schemaRefs>
+</ds:datastoreItem>
+</file>
+
+<file path=customXml/itemProps2.xml><?xml version="1.0" encoding="utf-8"?>
+<ds:datastoreItem xmlns:ds="http://schemas.openxmlformats.org/officeDocument/2006/customXml" ds:itemID="{F990F116-B58F-4255-B05B-DA3808E0E5C6}">
+  <ds:schemaRefs>
+    <ds:schemaRef ds:uri="http://schemas.microsoft.com/office/2006/documentManagement/types"/>
+    <ds:schemaRef ds:uri="http://schemas.microsoft.com/office/infopath/2007/PartnerControls"/>
+    <ds:schemaRef ds:uri="http://purl.org/dc/elements/1.1/"/>
+    <ds:schemaRef ds:uri="http://schemas.microsoft.com/office/2006/metadata/properties"/>
+    <ds:schemaRef ds:uri="http://purl.org/dc/terms/"/>
+    <ds:schemaRef ds:uri="http://schemas.openxmlformats.org/package/2006/metadata/core-properties"/>
+    <ds:schemaRef ds:uri="a66c5a9c-c997-405d-a3a5-19abaade415c"/>
+    <ds:schemaRef ds:uri="http://www.w3.org/XML/1998/namespace"/>
+    <ds:schemaRef ds:uri="http://purl.org/dc/dcmitype/"/>
+  </ds:schemaRefs>
+</ds:datastoreItem>
+</file>
+
+<file path=customXml/itemProps3.xml><?xml version="1.0" encoding="utf-8"?>
+<ds:datastoreItem xmlns:ds="http://schemas.openxmlformats.org/officeDocument/2006/customXml" ds:itemID="{758FDAC0-319D-4A54-8D8E-1D42CB1F8004}">
+  <ds:schemaRefs>
+    <ds:schemaRef ds:uri="http://schemas.microsoft.com/sharepoint/v3/contenttype/forms"/>
+  </ds:schemaRefs>
+</ds:datastoreItem>
 </file>